--- a/ppt 16-9/1043.明天.pptx
+++ b/ppt 16-9/1043.明天.pptx
@@ -5,7 +5,7 @@
     <p:sldMasterId id="2147483648" r:id="rId1"/>
   </p:sldMasterIdLst>
   <p:sldIdLst>
-    <p:sldId id="477" r:id="rId2"/>
+    <p:sldId id="479" r:id="rId2"/>
   </p:sldIdLst>
   <p:sldSz cx="12192000" cy="6858000"/>
   <p:notesSz cx="6858000" cy="9144000"/>
@@ -129,7 +129,7 @@
           <p:cNvPr id="2" name="标题 1">
             <a:extLst>
               <a:ext uri="{FF2B5EF4-FFF2-40B4-BE49-F238E27FC236}">
-                <a16:creationId xmlns:a16="http://schemas.microsoft.com/office/drawing/2014/main" id="{E225CB06-9DFC-1D4D-99EE-2EFE2DB84248}"/>
+                <a16:creationId xmlns:a16="http://schemas.microsoft.com/office/drawing/2014/main" id="{3662CCA3-024D-39B9-1F7A-361E5BF76605}"/>
               </a:ext>
             </a:extLst>
           </p:cNvPr>
@@ -166,7 +166,7 @@
           <p:cNvPr id="3" name="副标题 2">
             <a:extLst>
               <a:ext uri="{FF2B5EF4-FFF2-40B4-BE49-F238E27FC236}">
-                <a16:creationId xmlns:a16="http://schemas.microsoft.com/office/drawing/2014/main" id="{C2BBBBAA-3E06-20DF-637B-9EF8FB8B3EB0}"/>
+                <a16:creationId xmlns:a16="http://schemas.microsoft.com/office/drawing/2014/main" id="{2AA93FCD-465F-2D7D-DB08-3BA3985171B1}"/>
               </a:ext>
             </a:extLst>
           </p:cNvPr>
@@ -236,7 +236,7 @@
           <p:cNvPr id="4" name="日期占位符 3">
             <a:extLst>
               <a:ext uri="{FF2B5EF4-FFF2-40B4-BE49-F238E27FC236}">
-                <a16:creationId xmlns:a16="http://schemas.microsoft.com/office/drawing/2014/main" id="{FF26243C-92D3-0B98-B554-1551A3A482BC}"/>
+                <a16:creationId xmlns:a16="http://schemas.microsoft.com/office/drawing/2014/main" id="{15D3B10A-23EF-473A-09D4-9AC2EE78C4F8}"/>
               </a:ext>
             </a:extLst>
           </p:cNvPr>
@@ -252,7 +252,7 @@
           <a:bodyPr/>
           <a:lstStyle/>
           <a:p>
-            <a:fld id="{DB6751BB-308D-4310-8BFD-58763458BDA9}" type="datetimeFigureOut">
+            <a:fld id="{3171ED8C-6779-499F-8E2C-941415C9E665}" type="datetimeFigureOut">
               <a:rPr lang="zh-CN" altLang="en-US" smtClean="0"/>
               <a:t>2024/3/10</a:t>
             </a:fld>
@@ -265,7 +265,7 @@
           <p:cNvPr id="5" name="页脚占位符 4">
             <a:extLst>
               <a:ext uri="{FF2B5EF4-FFF2-40B4-BE49-F238E27FC236}">
-                <a16:creationId xmlns:a16="http://schemas.microsoft.com/office/drawing/2014/main" id="{3440CA8F-527F-17C3-0F10-5105F59E546C}"/>
+                <a16:creationId xmlns:a16="http://schemas.microsoft.com/office/drawing/2014/main" id="{B4454124-7F9C-5936-2F17-6BDF1594948D}"/>
               </a:ext>
             </a:extLst>
           </p:cNvPr>
@@ -290,7 +290,7 @@
           <p:cNvPr id="6" name="灯片编号占位符 5">
             <a:extLst>
               <a:ext uri="{FF2B5EF4-FFF2-40B4-BE49-F238E27FC236}">
-                <a16:creationId xmlns:a16="http://schemas.microsoft.com/office/drawing/2014/main" id="{3A35F69F-C464-E08A-B943-B44583A3DFB9}"/>
+                <a16:creationId xmlns:a16="http://schemas.microsoft.com/office/drawing/2014/main" id="{D8F3CF21-96F2-A6AE-8C8B-EF9F68AF43CD}"/>
               </a:ext>
             </a:extLst>
           </p:cNvPr>
@@ -306,7 +306,7 @@
           <a:bodyPr/>
           <a:lstStyle/>
           <a:p>
-            <a:fld id="{0F24C69A-836A-4939-9435-16087BB658F1}" type="slidenum">
+            <a:fld id="{84669B1A-AF3E-4D15-BCA9-755208B2EE52}" type="slidenum">
               <a:rPr lang="zh-CN" altLang="en-US" smtClean="0"/>
               <a:t>‹#›</a:t>
             </a:fld>
@@ -317,7 +317,7 @@
     </p:spTree>
     <p:extLst>
       <p:ext uri="{BB962C8B-B14F-4D97-AF65-F5344CB8AC3E}">
-        <p14:creationId xmlns:p14="http://schemas.microsoft.com/office/powerpoint/2010/main" val="2160056882"/>
+        <p14:creationId xmlns:p14="http://schemas.microsoft.com/office/powerpoint/2010/main" val="1526021512"/>
       </p:ext>
     </p:extLst>
   </p:cSld>
@@ -349,7 +349,7 @@
           <p:cNvPr id="2" name="标题 1">
             <a:extLst>
               <a:ext uri="{FF2B5EF4-FFF2-40B4-BE49-F238E27FC236}">
-                <a16:creationId xmlns:a16="http://schemas.microsoft.com/office/drawing/2014/main" id="{FDCFC966-5AE7-A4FE-9348-E50839B40F8F}"/>
+                <a16:creationId xmlns:a16="http://schemas.microsoft.com/office/drawing/2014/main" id="{EC1DC14A-EBBB-8C53-7275-BFF86A74A180}"/>
               </a:ext>
             </a:extLst>
           </p:cNvPr>
@@ -377,7 +377,7 @@
           <p:cNvPr id="3" name="竖排文字占位符 2">
             <a:extLst>
               <a:ext uri="{FF2B5EF4-FFF2-40B4-BE49-F238E27FC236}">
-                <a16:creationId xmlns:a16="http://schemas.microsoft.com/office/drawing/2014/main" id="{82E584E5-E613-1DAE-8464-BCC18723E3C2}"/>
+                <a16:creationId xmlns:a16="http://schemas.microsoft.com/office/drawing/2014/main" id="{B00E4EFD-09A5-4901-ED87-B1688B98B2F8}"/>
               </a:ext>
             </a:extLst>
           </p:cNvPr>
@@ -434,7 +434,7 @@
           <p:cNvPr id="4" name="日期占位符 3">
             <a:extLst>
               <a:ext uri="{FF2B5EF4-FFF2-40B4-BE49-F238E27FC236}">
-                <a16:creationId xmlns:a16="http://schemas.microsoft.com/office/drawing/2014/main" id="{C74CCB87-89FD-3ADA-40F7-E7AED52D2B7C}"/>
+                <a16:creationId xmlns:a16="http://schemas.microsoft.com/office/drawing/2014/main" id="{1C437AB6-CCCF-9D8D-E9C8-ABCD9B98EAE2}"/>
               </a:ext>
             </a:extLst>
           </p:cNvPr>
@@ -450,7 +450,7 @@
           <a:bodyPr/>
           <a:lstStyle/>
           <a:p>
-            <a:fld id="{DB6751BB-308D-4310-8BFD-58763458BDA9}" type="datetimeFigureOut">
+            <a:fld id="{3171ED8C-6779-499F-8E2C-941415C9E665}" type="datetimeFigureOut">
               <a:rPr lang="zh-CN" altLang="en-US" smtClean="0"/>
               <a:t>2024/3/10</a:t>
             </a:fld>
@@ -463,7 +463,7 @@
           <p:cNvPr id="5" name="页脚占位符 4">
             <a:extLst>
               <a:ext uri="{FF2B5EF4-FFF2-40B4-BE49-F238E27FC236}">
-                <a16:creationId xmlns:a16="http://schemas.microsoft.com/office/drawing/2014/main" id="{FFD1A84E-1C17-3D21-B4A6-12CB283EA239}"/>
+                <a16:creationId xmlns:a16="http://schemas.microsoft.com/office/drawing/2014/main" id="{905ECB11-1F89-00C8-C1BD-B6E32467F837}"/>
               </a:ext>
             </a:extLst>
           </p:cNvPr>
@@ -488,7 +488,7 @@
           <p:cNvPr id="6" name="灯片编号占位符 5">
             <a:extLst>
               <a:ext uri="{FF2B5EF4-FFF2-40B4-BE49-F238E27FC236}">
-                <a16:creationId xmlns:a16="http://schemas.microsoft.com/office/drawing/2014/main" id="{D8C4F214-6729-E312-393D-43F40C39D645}"/>
+                <a16:creationId xmlns:a16="http://schemas.microsoft.com/office/drawing/2014/main" id="{E5964315-2BAF-C678-3E8D-7D13A7722C19}"/>
               </a:ext>
             </a:extLst>
           </p:cNvPr>
@@ -504,7 +504,7 @@
           <a:bodyPr/>
           <a:lstStyle/>
           <a:p>
-            <a:fld id="{0F24C69A-836A-4939-9435-16087BB658F1}" type="slidenum">
+            <a:fld id="{84669B1A-AF3E-4D15-BCA9-755208B2EE52}" type="slidenum">
               <a:rPr lang="zh-CN" altLang="en-US" smtClean="0"/>
               <a:t>‹#›</a:t>
             </a:fld>
@@ -515,7 +515,7 @@
     </p:spTree>
     <p:extLst>
       <p:ext uri="{BB962C8B-B14F-4D97-AF65-F5344CB8AC3E}">
-        <p14:creationId xmlns:p14="http://schemas.microsoft.com/office/powerpoint/2010/main" val="1690075253"/>
+        <p14:creationId xmlns:p14="http://schemas.microsoft.com/office/powerpoint/2010/main" val="1650769216"/>
       </p:ext>
     </p:extLst>
   </p:cSld>
@@ -547,7 +547,7 @@
           <p:cNvPr id="2" name="竖排标题 1">
             <a:extLst>
               <a:ext uri="{FF2B5EF4-FFF2-40B4-BE49-F238E27FC236}">
-                <a16:creationId xmlns:a16="http://schemas.microsoft.com/office/drawing/2014/main" id="{FBEA1997-8A69-F53C-14E4-8870A276626A}"/>
+                <a16:creationId xmlns:a16="http://schemas.microsoft.com/office/drawing/2014/main" id="{922828D0-87C9-CFFB-E43D-5FD872EBEDEF}"/>
               </a:ext>
             </a:extLst>
           </p:cNvPr>
@@ -580,7 +580,7 @@
           <p:cNvPr id="3" name="竖排文字占位符 2">
             <a:extLst>
               <a:ext uri="{FF2B5EF4-FFF2-40B4-BE49-F238E27FC236}">
-                <a16:creationId xmlns:a16="http://schemas.microsoft.com/office/drawing/2014/main" id="{024046C1-436D-A040-8206-91DAB490C8AC}"/>
+                <a16:creationId xmlns:a16="http://schemas.microsoft.com/office/drawing/2014/main" id="{E326E5B2-781C-4565-0886-D5EB9E7FA52B}"/>
               </a:ext>
             </a:extLst>
           </p:cNvPr>
@@ -642,7 +642,7 @@
           <p:cNvPr id="4" name="日期占位符 3">
             <a:extLst>
               <a:ext uri="{FF2B5EF4-FFF2-40B4-BE49-F238E27FC236}">
-                <a16:creationId xmlns:a16="http://schemas.microsoft.com/office/drawing/2014/main" id="{A01C0FC6-3944-9948-66BC-677722928A76}"/>
+                <a16:creationId xmlns:a16="http://schemas.microsoft.com/office/drawing/2014/main" id="{60647561-32F3-BCF4-A9A6-2C6918BF3E65}"/>
               </a:ext>
             </a:extLst>
           </p:cNvPr>
@@ -658,7 +658,7 @@
           <a:bodyPr/>
           <a:lstStyle/>
           <a:p>
-            <a:fld id="{DB6751BB-308D-4310-8BFD-58763458BDA9}" type="datetimeFigureOut">
+            <a:fld id="{3171ED8C-6779-499F-8E2C-941415C9E665}" type="datetimeFigureOut">
               <a:rPr lang="zh-CN" altLang="en-US" smtClean="0"/>
               <a:t>2024/3/10</a:t>
             </a:fld>
@@ -671,7 +671,7 @@
           <p:cNvPr id="5" name="页脚占位符 4">
             <a:extLst>
               <a:ext uri="{FF2B5EF4-FFF2-40B4-BE49-F238E27FC236}">
-                <a16:creationId xmlns:a16="http://schemas.microsoft.com/office/drawing/2014/main" id="{EE2112C5-6D40-96A5-7881-8CEC2E6DF521}"/>
+                <a16:creationId xmlns:a16="http://schemas.microsoft.com/office/drawing/2014/main" id="{59722D01-7850-D2E7-6E9A-798F31EC73E3}"/>
               </a:ext>
             </a:extLst>
           </p:cNvPr>
@@ -696,7 +696,7 @@
           <p:cNvPr id="6" name="灯片编号占位符 5">
             <a:extLst>
               <a:ext uri="{FF2B5EF4-FFF2-40B4-BE49-F238E27FC236}">
-                <a16:creationId xmlns:a16="http://schemas.microsoft.com/office/drawing/2014/main" id="{1B44C4D4-ED33-7648-A4EE-AC546D6F02A0}"/>
+                <a16:creationId xmlns:a16="http://schemas.microsoft.com/office/drawing/2014/main" id="{9BDAB82D-BF2D-14C7-591D-01262405DD30}"/>
               </a:ext>
             </a:extLst>
           </p:cNvPr>
@@ -712,7 +712,7 @@
           <a:bodyPr/>
           <a:lstStyle/>
           <a:p>
-            <a:fld id="{0F24C69A-836A-4939-9435-16087BB658F1}" type="slidenum">
+            <a:fld id="{84669B1A-AF3E-4D15-BCA9-755208B2EE52}" type="slidenum">
               <a:rPr lang="zh-CN" altLang="en-US" smtClean="0"/>
               <a:t>‹#›</a:t>
             </a:fld>
@@ -723,7 +723,7 @@
     </p:spTree>
     <p:extLst>
       <p:ext uri="{BB962C8B-B14F-4D97-AF65-F5344CB8AC3E}">
-        <p14:creationId xmlns:p14="http://schemas.microsoft.com/office/powerpoint/2010/main" val="1475679173"/>
+        <p14:creationId xmlns:p14="http://schemas.microsoft.com/office/powerpoint/2010/main" val="369911103"/>
       </p:ext>
     </p:extLst>
   </p:cSld>
@@ -755,7 +755,7 @@
           <p:cNvPr id="2" name="标题 1">
             <a:extLst>
               <a:ext uri="{FF2B5EF4-FFF2-40B4-BE49-F238E27FC236}">
-                <a16:creationId xmlns:a16="http://schemas.microsoft.com/office/drawing/2014/main" id="{9912F6A3-F9D4-EE88-1E0B-4028E0A53EDD}"/>
+                <a16:creationId xmlns:a16="http://schemas.microsoft.com/office/drawing/2014/main" id="{D3E01943-079D-C3D6-22A7-D00EE92BFA38}"/>
               </a:ext>
             </a:extLst>
           </p:cNvPr>
@@ -783,7 +783,7 @@
           <p:cNvPr id="3" name="内容占位符 2">
             <a:extLst>
               <a:ext uri="{FF2B5EF4-FFF2-40B4-BE49-F238E27FC236}">
-                <a16:creationId xmlns:a16="http://schemas.microsoft.com/office/drawing/2014/main" id="{B1DADCDA-7593-E27E-D3C9-D9BF88E1BF60}"/>
+                <a16:creationId xmlns:a16="http://schemas.microsoft.com/office/drawing/2014/main" id="{D15472AC-D5D0-1E26-583B-66B056AF82F2}"/>
               </a:ext>
             </a:extLst>
           </p:cNvPr>
@@ -840,7 +840,7 @@
           <p:cNvPr id="4" name="日期占位符 3">
             <a:extLst>
               <a:ext uri="{FF2B5EF4-FFF2-40B4-BE49-F238E27FC236}">
-                <a16:creationId xmlns:a16="http://schemas.microsoft.com/office/drawing/2014/main" id="{F8A53BFD-4F8C-01F5-BFDA-EB20D8C7BB79}"/>
+                <a16:creationId xmlns:a16="http://schemas.microsoft.com/office/drawing/2014/main" id="{7E60A986-CD28-7751-D529-B3BCD984BF84}"/>
               </a:ext>
             </a:extLst>
           </p:cNvPr>
@@ -856,7 +856,7 @@
           <a:bodyPr/>
           <a:lstStyle/>
           <a:p>
-            <a:fld id="{DB6751BB-308D-4310-8BFD-58763458BDA9}" type="datetimeFigureOut">
+            <a:fld id="{3171ED8C-6779-499F-8E2C-941415C9E665}" type="datetimeFigureOut">
               <a:rPr lang="zh-CN" altLang="en-US" smtClean="0"/>
               <a:t>2024/3/10</a:t>
             </a:fld>
@@ -869,7 +869,7 @@
           <p:cNvPr id="5" name="页脚占位符 4">
             <a:extLst>
               <a:ext uri="{FF2B5EF4-FFF2-40B4-BE49-F238E27FC236}">
-                <a16:creationId xmlns:a16="http://schemas.microsoft.com/office/drawing/2014/main" id="{A69BF4D3-481D-685B-AF21-0E4B1928140F}"/>
+                <a16:creationId xmlns:a16="http://schemas.microsoft.com/office/drawing/2014/main" id="{BAF225B8-E14F-A265-890D-88E55BFEEB76}"/>
               </a:ext>
             </a:extLst>
           </p:cNvPr>
@@ -894,7 +894,7 @@
           <p:cNvPr id="6" name="灯片编号占位符 5">
             <a:extLst>
               <a:ext uri="{FF2B5EF4-FFF2-40B4-BE49-F238E27FC236}">
-                <a16:creationId xmlns:a16="http://schemas.microsoft.com/office/drawing/2014/main" id="{0C862754-E5AC-9243-CAFD-402CF9DFB6D7}"/>
+                <a16:creationId xmlns:a16="http://schemas.microsoft.com/office/drawing/2014/main" id="{B88C397B-3703-FCC3-075D-3E04A550921A}"/>
               </a:ext>
             </a:extLst>
           </p:cNvPr>
@@ -910,7 +910,7 @@
           <a:bodyPr/>
           <a:lstStyle/>
           <a:p>
-            <a:fld id="{0F24C69A-836A-4939-9435-16087BB658F1}" type="slidenum">
+            <a:fld id="{84669B1A-AF3E-4D15-BCA9-755208B2EE52}" type="slidenum">
               <a:rPr lang="zh-CN" altLang="en-US" smtClean="0"/>
               <a:t>‹#›</a:t>
             </a:fld>
@@ -921,7 +921,7 @@
     </p:spTree>
     <p:extLst>
       <p:ext uri="{BB962C8B-B14F-4D97-AF65-F5344CB8AC3E}">
-        <p14:creationId xmlns:p14="http://schemas.microsoft.com/office/powerpoint/2010/main" val="452376739"/>
+        <p14:creationId xmlns:p14="http://schemas.microsoft.com/office/powerpoint/2010/main" val="2628645528"/>
       </p:ext>
     </p:extLst>
   </p:cSld>
@@ -953,7 +953,7 @@
           <p:cNvPr id="2" name="标题 1">
             <a:extLst>
               <a:ext uri="{FF2B5EF4-FFF2-40B4-BE49-F238E27FC236}">
-                <a16:creationId xmlns:a16="http://schemas.microsoft.com/office/drawing/2014/main" id="{9ABB2179-50A8-D330-9E25-241B6AD3BE71}"/>
+                <a16:creationId xmlns:a16="http://schemas.microsoft.com/office/drawing/2014/main" id="{86918193-D604-60AF-76C1-0AB2D6F927CA}"/>
               </a:ext>
             </a:extLst>
           </p:cNvPr>
@@ -990,7 +990,7 @@
           <p:cNvPr id="3" name="文本占位符 2">
             <a:extLst>
               <a:ext uri="{FF2B5EF4-FFF2-40B4-BE49-F238E27FC236}">
-                <a16:creationId xmlns:a16="http://schemas.microsoft.com/office/drawing/2014/main" id="{C5C581CF-BF85-BD27-29EA-E0080B9F3A07}"/>
+                <a16:creationId xmlns:a16="http://schemas.microsoft.com/office/drawing/2014/main" id="{DC3A3B18-7700-10F5-0D51-E68817CA06E7}"/>
               </a:ext>
             </a:extLst>
           </p:cNvPr>
@@ -1115,7 +1115,7 @@
           <p:cNvPr id="4" name="日期占位符 3">
             <a:extLst>
               <a:ext uri="{FF2B5EF4-FFF2-40B4-BE49-F238E27FC236}">
-                <a16:creationId xmlns:a16="http://schemas.microsoft.com/office/drawing/2014/main" id="{700040BC-DA88-2548-1114-C0894F7C27D2}"/>
+                <a16:creationId xmlns:a16="http://schemas.microsoft.com/office/drawing/2014/main" id="{6907812F-E048-5C2D-D310-DD09C12DD907}"/>
               </a:ext>
             </a:extLst>
           </p:cNvPr>
@@ -1131,7 +1131,7 @@
           <a:bodyPr/>
           <a:lstStyle/>
           <a:p>
-            <a:fld id="{DB6751BB-308D-4310-8BFD-58763458BDA9}" type="datetimeFigureOut">
+            <a:fld id="{3171ED8C-6779-499F-8E2C-941415C9E665}" type="datetimeFigureOut">
               <a:rPr lang="zh-CN" altLang="en-US" smtClean="0"/>
               <a:t>2024/3/10</a:t>
             </a:fld>
@@ -1144,7 +1144,7 @@
           <p:cNvPr id="5" name="页脚占位符 4">
             <a:extLst>
               <a:ext uri="{FF2B5EF4-FFF2-40B4-BE49-F238E27FC236}">
-                <a16:creationId xmlns:a16="http://schemas.microsoft.com/office/drawing/2014/main" id="{FB259B58-444A-C20E-8DF0-BFBE3FD4AC2B}"/>
+                <a16:creationId xmlns:a16="http://schemas.microsoft.com/office/drawing/2014/main" id="{EA57A847-7D7E-DCC4-9C7B-465FA66C94A0}"/>
               </a:ext>
             </a:extLst>
           </p:cNvPr>
@@ -1169,7 +1169,7 @@
           <p:cNvPr id="6" name="灯片编号占位符 5">
             <a:extLst>
               <a:ext uri="{FF2B5EF4-FFF2-40B4-BE49-F238E27FC236}">
-                <a16:creationId xmlns:a16="http://schemas.microsoft.com/office/drawing/2014/main" id="{41E23C72-7FC4-65A3-E097-0B06DFBA24BB}"/>
+                <a16:creationId xmlns:a16="http://schemas.microsoft.com/office/drawing/2014/main" id="{D0D729B5-712A-42A7-34E9-33CBFF67C52B}"/>
               </a:ext>
             </a:extLst>
           </p:cNvPr>
@@ -1185,7 +1185,7 @@
           <a:bodyPr/>
           <a:lstStyle/>
           <a:p>
-            <a:fld id="{0F24C69A-836A-4939-9435-16087BB658F1}" type="slidenum">
+            <a:fld id="{84669B1A-AF3E-4D15-BCA9-755208B2EE52}" type="slidenum">
               <a:rPr lang="zh-CN" altLang="en-US" smtClean="0"/>
               <a:t>‹#›</a:t>
             </a:fld>
@@ -1196,7 +1196,7 @@
     </p:spTree>
     <p:extLst>
       <p:ext uri="{BB962C8B-B14F-4D97-AF65-F5344CB8AC3E}">
-        <p14:creationId xmlns:p14="http://schemas.microsoft.com/office/powerpoint/2010/main" val="718884915"/>
+        <p14:creationId xmlns:p14="http://schemas.microsoft.com/office/powerpoint/2010/main" val="2588127861"/>
       </p:ext>
     </p:extLst>
   </p:cSld>
@@ -1228,7 +1228,7 @@
           <p:cNvPr id="2" name="标题 1">
             <a:extLst>
               <a:ext uri="{FF2B5EF4-FFF2-40B4-BE49-F238E27FC236}">
-                <a16:creationId xmlns:a16="http://schemas.microsoft.com/office/drawing/2014/main" id="{0729D0FC-D0DE-C5C1-479C-3B8DBBC128B8}"/>
+                <a16:creationId xmlns:a16="http://schemas.microsoft.com/office/drawing/2014/main" id="{2FE76608-AC0E-4D44-AF90-C67DC5040B8E}"/>
               </a:ext>
             </a:extLst>
           </p:cNvPr>
@@ -1256,7 +1256,7 @@
           <p:cNvPr id="3" name="内容占位符 2">
             <a:extLst>
               <a:ext uri="{FF2B5EF4-FFF2-40B4-BE49-F238E27FC236}">
-                <a16:creationId xmlns:a16="http://schemas.microsoft.com/office/drawing/2014/main" id="{4FB651D3-E8F8-F446-6E7A-11E16558B5E1}"/>
+                <a16:creationId xmlns:a16="http://schemas.microsoft.com/office/drawing/2014/main" id="{7AEC8CD7-56A4-C092-FC78-2A9E5A22E3AC}"/>
               </a:ext>
             </a:extLst>
           </p:cNvPr>
@@ -1318,7 +1318,7 @@
           <p:cNvPr id="4" name="内容占位符 3">
             <a:extLst>
               <a:ext uri="{FF2B5EF4-FFF2-40B4-BE49-F238E27FC236}">
-                <a16:creationId xmlns:a16="http://schemas.microsoft.com/office/drawing/2014/main" id="{8EB2542F-4C62-9161-0481-2B8A3A38B05E}"/>
+                <a16:creationId xmlns:a16="http://schemas.microsoft.com/office/drawing/2014/main" id="{6E568CA5-6199-5906-AAE9-C7AA4983B34A}"/>
               </a:ext>
             </a:extLst>
           </p:cNvPr>
@@ -1380,7 +1380,7 @@
           <p:cNvPr id="5" name="日期占位符 4">
             <a:extLst>
               <a:ext uri="{FF2B5EF4-FFF2-40B4-BE49-F238E27FC236}">
-                <a16:creationId xmlns:a16="http://schemas.microsoft.com/office/drawing/2014/main" id="{41E6AAF8-3B89-80A1-46BA-221B7147367F}"/>
+                <a16:creationId xmlns:a16="http://schemas.microsoft.com/office/drawing/2014/main" id="{92DA2841-87DD-C24F-93C4-CF0D0C6E0CB9}"/>
               </a:ext>
             </a:extLst>
           </p:cNvPr>
@@ -1396,7 +1396,7 @@
           <a:bodyPr/>
           <a:lstStyle/>
           <a:p>
-            <a:fld id="{DB6751BB-308D-4310-8BFD-58763458BDA9}" type="datetimeFigureOut">
+            <a:fld id="{3171ED8C-6779-499F-8E2C-941415C9E665}" type="datetimeFigureOut">
               <a:rPr lang="zh-CN" altLang="en-US" smtClean="0"/>
               <a:t>2024/3/10</a:t>
             </a:fld>
@@ -1409,7 +1409,7 @@
           <p:cNvPr id="6" name="页脚占位符 5">
             <a:extLst>
               <a:ext uri="{FF2B5EF4-FFF2-40B4-BE49-F238E27FC236}">
-                <a16:creationId xmlns:a16="http://schemas.microsoft.com/office/drawing/2014/main" id="{89EF8AE1-C4A0-354D-73B1-2FA577F9BE2F}"/>
+                <a16:creationId xmlns:a16="http://schemas.microsoft.com/office/drawing/2014/main" id="{157A3BBD-689F-718A-92BF-EF93AEF49513}"/>
               </a:ext>
             </a:extLst>
           </p:cNvPr>
@@ -1434,7 +1434,7 @@
           <p:cNvPr id="7" name="灯片编号占位符 6">
             <a:extLst>
               <a:ext uri="{FF2B5EF4-FFF2-40B4-BE49-F238E27FC236}">
-                <a16:creationId xmlns:a16="http://schemas.microsoft.com/office/drawing/2014/main" id="{AEEB5491-0E3E-005D-DF52-C984B0EFF340}"/>
+                <a16:creationId xmlns:a16="http://schemas.microsoft.com/office/drawing/2014/main" id="{C2CE0561-00DA-E587-4F03-112D8B60BFBB}"/>
               </a:ext>
             </a:extLst>
           </p:cNvPr>
@@ -1450,7 +1450,7 @@
           <a:bodyPr/>
           <a:lstStyle/>
           <a:p>
-            <a:fld id="{0F24C69A-836A-4939-9435-16087BB658F1}" type="slidenum">
+            <a:fld id="{84669B1A-AF3E-4D15-BCA9-755208B2EE52}" type="slidenum">
               <a:rPr lang="zh-CN" altLang="en-US" smtClean="0"/>
               <a:t>‹#›</a:t>
             </a:fld>
@@ -1461,7 +1461,7 @@
     </p:spTree>
     <p:extLst>
       <p:ext uri="{BB962C8B-B14F-4D97-AF65-F5344CB8AC3E}">
-        <p14:creationId xmlns:p14="http://schemas.microsoft.com/office/powerpoint/2010/main" val="2529582530"/>
+        <p14:creationId xmlns:p14="http://schemas.microsoft.com/office/powerpoint/2010/main" val="2665774293"/>
       </p:ext>
     </p:extLst>
   </p:cSld>
@@ -1493,7 +1493,7 @@
           <p:cNvPr id="2" name="标题 1">
             <a:extLst>
               <a:ext uri="{FF2B5EF4-FFF2-40B4-BE49-F238E27FC236}">
-                <a16:creationId xmlns:a16="http://schemas.microsoft.com/office/drawing/2014/main" id="{57A4EBA0-8968-E027-B7C5-768B3B49AF07}"/>
+                <a16:creationId xmlns:a16="http://schemas.microsoft.com/office/drawing/2014/main" id="{2F16F8B3-46B6-7CD8-5B67-BB7AC276F0D5}"/>
               </a:ext>
             </a:extLst>
           </p:cNvPr>
@@ -1526,7 +1526,7 @@
           <p:cNvPr id="3" name="文本占位符 2">
             <a:extLst>
               <a:ext uri="{FF2B5EF4-FFF2-40B4-BE49-F238E27FC236}">
-                <a16:creationId xmlns:a16="http://schemas.microsoft.com/office/drawing/2014/main" id="{EED8D73D-5BBA-ABB9-84E3-E571A8EABB92}"/>
+                <a16:creationId xmlns:a16="http://schemas.microsoft.com/office/drawing/2014/main" id="{6368F901-C0A9-A46D-936E-BE98658FE36B}"/>
               </a:ext>
             </a:extLst>
           </p:cNvPr>
@@ -1597,7 +1597,7 @@
           <p:cNvPr id="4" name="内容占位符 3">
             <a:extLst>
               <a:ext uri="{FF2B5EF4-FFF2-40B4-BE49-F238E27FC236}">
-                <a16:creationId xmlns:a16="http://schemas.microsoft.com/office/drawing/2014/main" id="{27C9BEC8-278F-53F2-4B63-0E30BEC57F86}"/>
+                <a16:creationId xmlns:a16="http://schemas.microsoft.com/office/drawing/2014/main" id="{E0ABEACA-7178-2765-77AD-51F7DF264785}"/>
               </a:ext>
             </a:extLst>
           </p:cNvPr>
@@ -1659,7 +1659,7 @@
           <p:cNvPr id="5" name="文本占位符 4">
             <a:extLst>
               <a:ext uri="{FF2B5EF4-FFF2-40B4-BE49-F238E27FC236}">
-                <a16:creationId xmlns:a16="http://schemas.microsoft.com/office/drawing/2014/main" id="{653CD9AB-9C15-CEEC-C280-67B6E47F1133}"/>
+                <a16:creationId xmlns:a16="http://schemas.microsoft.com/office/drawing/2014/main" id="{57865320-6915-261B-0B25-045970DFD324}"/>
               </a:ext>
             </a:extLst>
           </p:cNvPr>
@@ -1730,7 +1730,7 @@
           <p:cNvPr id="6" name="内容占位符 5">
             <a:extLst>
               <a:ext uri="{FF2B5EF4-FFF2-40B4-BE49-F238E27FC236}">
-                <a16:creationId xmlns:a16="http://schemas.microsoft.com/office/drawing/2014/main" id="{D9D8FC18-FE92-33A6-423D-526022E58874}"/>
+                <a16:creationId xmlns:a16="http://schemas.microsoft.com/office/drawing/2014/main" id="{2D72F379-C0C4-40C9-EC5E-E82D3D051F12}"/>
               </a:ext>
             </a:extLst>
           </p:cNvPr>
@@ -1792,7 +1792,7 @@
           <p:cNvPr id="7" name="日期占位符 6">
             <a:extLst>
               <a:ext uri="{FF2B5EF4-FFF2-40B4-BE49-F238E27FC236}">
-                <a16:creationId xmlns:a16="http://schemas.microsoft.com/office/drawing/2014/main" id="{8024018F-B756-32B9-0D7E-20570F9FD6A9}"/>
+                <a16:creationId xmlns:a16="http://schemas.microsoft.com/office/drawing/2014/main" id="{FF08CAF8-A2BD-2088-C14C-07860DD925A2}"/>
               </a:ext>
             </a:extLst>
           </p:cNvPr>
@@ -1808,7 +1808,7 @@
           <a:bodyPr/>
           <a:lstStyle/>
           <a:p>
-            <a:fld id="{DB6751BB-308D-4310-8BFD-58763458BDA9}" type="datetimeFigureOut">
+            <a:fld id="{3171ED8C-6779-499F-8E2C-941415C9E665}" type="datetimeFigureOut">
               <a:rPr lang="zh-CN" altLang="en-US" smtClean="0"/>
               <a:t>2024/3/10</a:t>
             </a:fld>
@@ -1821,7 +1821,7 @@
           <p:cNvPr id="8" name="页脚占位符 7">
             <a:extLst>
               <a:ext uri="{FF2B5EF4-FFF2-40B4-BE49-F238E27FC236}">
-                <a16:creationId xmlns:a16="http://schemas.microsoft.com/office/drawing/2014/main" id="{78AD3278-660B-76FC-CC01-BA93660C9712}"/>
+                <a16:creationId xmlns:a16="http://schemas.microsoft.com/office/drawing/2014/main" id="{EB62B518-C059-1AC2-84BF-F7CC68B2D573}"/>
               </a:ext>
             </a:extLst>
           </p:cNvPr>
@@ -1846,7 +1846,7 @@
           <p:cNvPr id="9" name="灯片编号占位符 8">
             <a:extLst>
               <a:ext uri="{FF2B5EF4-FFF2-40B4-BE49-F238E27FC236}">
-                <a16:creationId xmlns:a16="http://schemas.microsoft.com/office/drawing/2014/main" id="{5B1E59FC-4D82-EC89-567A-F4638BAAB9F4}"/>
+                <a16:creationId xmlns:a16="http://schemas.microsoft.com/office/drawing/2014/main" id="{7E3025F3-3647-73EE-A521-A3B8B20D802A}"/>
               </a:ext>
             </a:extLst>
           </p:cNvPr>
@@ -1862,7 +1862,7 @@
           <a:bodyPr/>
           <a:lstStyle/>
           <a:p>
-            <a:fld id="{0F24C69A-836A-4939-9435-16087BB658F1}" type="slidenum">
+            <a:fld id="{84669B1A-AF3E-4D15-BCA9-755208B2EE52}" type="slidenum">
               <a:rPr lang="zh-CN" altLang="en-US" smtClean="0"/>
               <a:t>‹#›</a:t>
             </a:fld>
@@ -1873,7 +1873,7 @@
     </p:spTree>
     <p:extLst>
       <p:ext uri="{BB962C8B-B14F-4D97-AF65-F5344CB8AC3E}">
-        <p14:creationId xmlns:p14="http://schemas.microsoft.com/office/powerpoint/2010/main" val="3722275368"/>
+        <p14:creationId xmlns:p14="http://schemas.microsoft.com/office/powerpoint/2010/main" val="234755190"/>
       </p:ext>
     </p:extLst>
   </p:cSld>
@@ -1905,7 +1905,7 @@
           <p:cNvPr id="2" name="标题 1">
             <a:extLst>
               <a:ext uri="{FF2B5EF4-FFF2-40B4-BE49-F238E27FC236}">
-                <a16:creationId xmlns:a16="http://schemas.microsoft.com/office/drawing/2014/main" id="{76AC7137-B765-418B-C8CD-C346CECC1258}"/>
+                <a16:creationId xmlns:a16="http://schemas.microsoft.com/office/drawing/2014/main" id="{F08D8F2A-965B-F1EC-4C1E-96FCC1CF0EF9}"/>
               </a:ext>
             </a:extLst>
           </p:cNvPr>
@@ -1933,7 +1933,7 @@
           <p:cNvPr id="3" name="日期占位符 2">
             <a:extLst>
               <a:ext uri="{FF2B5EF4-FFF2-40B4-BE49-F238E27FC236}">
-                <a16:creationId xmlns:a16="http://schemas.microsoft.com/office/drawing/2014/main" id="{66578A3B-E5F2-BB6B-B27D-EEF2726BB29F}"/>
+                <a16:creationId xmlns:a16="http://schemas.microsoft.com/office/drawing/2014/main" id="{574D7B32-33D2-B8CE-54A4-4D64FE9AC1E6}"/>
               </a:ext>
             </a:extLst>
           </p:cNvPr>
@@ -1949,7 +1949,7 @@
           <a:bodyPr/>
           <a:lstStyle/>
           <a:p>
-            <a:fld id="{DB6751BB-308D-4310-8BFD-58763458BDA9}" type="datetimeFigureOut">
+            <a:fld id="{3171ED8C-6779-499F-8E2C-941415C9E665}" type="datetimeFigureOut">
               <a:rPr lang="zh-CN" altLang="en-US" smtClean="0"/>
               <a:t>2024/3/10</a:t>
             </a:fld>
@@ -1962,7 +1962,7 @@
           <p:cNvPr id="4" name="页脚占位符 3">
             <a:extLst>
               <a:ext uri="{FF2B5EF4-FFF2-40B4-BE49-F238E27FC236}">
-                <a16:creationId xmlns:a16="http://schemas.microsoft.com/office/drawing/2014/main" id="{E40C65D4-8523-0D92-7B71-4CACEF360028}"/>
+                <a16:creationId xmlns:a16="http://schemas.microsoft.com/office/drawing/2014/main" id="{E315C6F8-16AE-311C-7EDF-347EC6A093CC}"/>
               </a:ext>
             </a:extLst>
           </p:cNvPr>
@@ -1987,7 +1987,7 @@
           <p:cNvPr id="5" name="灯片编号占位符 4">
             <a:extLst>
               <a:ext uri="{FF2B5EF4-FFF2-40B4-BE49-F238E27FC236}">
-                <a16:creationId xmlns:a16="http://schemas.microsoft.com/office/drawing/2014/main" id="{9C26196E-5417-E63E-EA5B-968B5158FDF6}"/>
+                <a16:creationId xmlns:a16="http://schemas.microsoft.com/office/drawing/2014/main" id="{495297E0-7204-546B-C596-922F7FA2701F}"/>
               </a:ext>
             </a:extLst>
           </p:cNvPr>
@@ -2003,7 +2003,7 @@
           <a:bodyPr/>
           <a:lstStyle/>
           <a:p>
-            <a:fld id="{0F24C69A-836A-4939-9435-16087BB658F1}" type="slidenum">
+            <a:fld id="{84669B1A-AF3E-4D15-BCA9-755208B2EE52}" type="slidenum">
               <a:rPr lang="zh-CN" altLang="en-US" smtClean="0"/>
               <a:t>‹#›</a:t>
             </a:fld>
@@ -2014,7 +2014,7 @@
     </p:spTree>
     <p:extLst>
       <p:ext uri="{BB962C8B-B14F-4D97-AF65-F5344CB8AC3E}">
-        <p14:creationId xmlns:p14="http://schemas.microsoft.com/office/powerpoint/2010/main" val="1642371542"/>
+        <p14:creationId xmlns:p14="http://schemas.microsoft.com/office/powerpoint/2010/main" val="3742904804"/>
       </p:ext>
     </p:extLst>
   </p:cSld>
@@ -2046,7 +2046,7 @@
           <p:cNvPr id="2" name="日期占位符 1">
             <a:extLst>
               <a:ext uri="{FF2B5EF4-FFF2-40B4-BE49-F238E27FC236}">
-                <a16:creationId xmlns:a16="http://schemas.microsoft.com/office/drawing/2014/main" id="{130029D9-A0F8-1077-4AFE-1F6F2D3C7F61}"/>
+                <a16:creationId xmlns:a16="http://schemas.microsoft.com/office/drawing/2014/main" id="{DEBFACE9-BB7D-83F9-BEA5-D3592C3233CC}"/>
               </a:ext>
             </a:extLst>
           </p:cNvPr>
@@ -2062,7 +2062,7 @@
           <a:bodyPr/>
           <a:lstStyle/>
           <a:p>
-            <a:fld id="{DB6751BB-308D-4310-8BFD-58763458BDA9}" type="datetimeFigureOut">
+            <a:fld id="{3171ED8C-6779-499F-8E2C-941415C9E665}" type="datetimeFigureOut">
               <a:rPr lang="zh-CN" altLang="en-US" smtClean="0"/>
               <a:t>2024/3/10</a:t>
             </a:fld>
@@ -2075,7 +2075,7 @@
           <p:cNvPr id="3" name="页脚占位符 2">
             <a:extLst>
               <a:ext uri="{FF2B5EF4-FFF2-40B4-BE49-F238E27FC236}">
-                <a16:creationId xmlns:a16="http://schemas.microsoft.com/office/drawing/2014/main" id="{33DD19C3-8F93-D500-E1B4-89253C92DE42}"/>
+                <a16:creationId xmlns:a16="http://schemas.microsoft.com/office/drawing/2014/main" id="{CB5176E6-919C-542C-3D3E-0D788B6F001B}"/>
               </a:ext>
             </a:extLst>
           </p:cNvPr>
@@ -2100,7 +2100,7 @@
           <p:cNvPr id="4" name="灯片编号占位符 3">
             <a:extLst>
               <a:ext uri="{FF2B5EF4-FFF2-40B4-BE49-F238E27FC236}">
-                <a16:creationId xmlns:a16="http://schemas.microsoft.com/office/drawing/2014/main" id="{123DA759-B854-AD8D-09BF-C16AB8357F07}"/>
+                <a16:creationId xmlns:a16="http://schemas.microsoft.com/office/drawing/2014/main" id="{86CA0242-C0B8-AFF2-CDBA-BCDCB2EDA3BE}"/>
               </a:ext>
             </a:extLst>
           </p:cNvPr>
@@ -2116,7 +2116,7 @@
           <a:bodyPr/>
           <a:lstStyle/>
           <a:p>
-            <a:fld id="{0F24C69A-836A-4939-9435-16087BB658F1}" type="slidenum">
+            <a:fld id="{84669B1A-AF3E-4D15-BCA9-755208B2EE52}" type="slidenum">
               <a:rPr lang="zh-CN" altLang="en-US" smtClean="0"/>
               <a:t>‹#›</a:t>
             </a:fld>
@@ -2127,7 +2127,7 @@
     </p:spTree>
     <p:extLst>
       <p:ext uri="{BB962C8B-B14F-4D97-AF65-F5344CB8AC3E}">
-        <p14:creationId xmlns:p14="http://schemas.microsoft.com/office/powerpoint/2010/main" val="371530381"/>
+        <p14:creationId xmlns:p14="http://schemas.microsoft.com/office/powerpoint/2010/main" val="1268942156"/>
       </p:ext>
     </p:extLst>
   </p:cSld>
@@ -2159,7 +2159,7 @@
           <p:cNvPr id="2" name="标题 1">
             <a:extLst>
               <a:ext uri="{FF2B5EF4-FFF2-40B4-BE49-F238E27FC236}">
-                <a16:creationId xmlns:a16="http://schemas.microsoft.com/office/drawing/2014/main" id="{8B5FB067-E87B-9627-5B32-8FF826389570}"/>
+                <a16:creationId xmlns:a16="http://schemas.microsoft.com/office/drawing/2014/main" id="{E8ECD1EA-51D0-8C69-EFCE-5AF8D614B217}"/>
               </a:ext>
             </a:extLst>
           </p:cNvPr>
@@ -2196,7 +2196,7 @@
           <p:cNvPr id="3" name="内容占位符 2">
             <a:extLst>
               <a:ext uri="{FF2B5EF4-FFF2-40B4-BE49-F238E27FC236}">
-                <a16:creationId xmlns:a16="http://schemas.microsoft.com/office/drawing/2014/main" id="{00246FFA-8C1A-EC26-8DF1-C2CC6EFF5B7A}"/>
+                <a16:creationId xmlns:a16="http://schemas.microsoft.com/office/drawing/2014/main" id="{6ECDB016-5463-B2EB-E4D9-8F2A6A936CE9}"/>
               </a:ext>
             </a:extLst>
           </p:cNvPr>
@@ -2286,7 +2286,7 @@
           <p:cNvPr id="4" name="文本占位符 3">
             <a:extLst>
               <a:ext uri="{FF2B5EF4-FFF2-40B4-BE49-F238E27FC236}">
-                <a16:creationId xmlns:a16="http://schemas.microsoft.com/office/drawing/2014/main" id="{A0A991ED-C2A8-65A0-53AA-257AAD8268CA}"/>
+                <a16:creationId xmlns:a16="http://schemas.microsoft.com/office/drawing/2014/main" id="{6BC3F969-DF5D-FB48-1CFE-4B419F405E0F}"/>
               </a:ext>
             </a:extLst>
           </p:cNvPr>
@@ -2357,7 +2357,7 @@
           <p:cNvPr id="5" name="日期占位符 4">
             <a:extLst>
               <a:ext uri="{FF2B5EF4-FFF2-40B4-BE49-F238E27FC236}">
-                <a16:creationId xmlns:a16="http://schemas.microsoft.com/office/drawing/2014/main" id="{22B0131E-00DF-1737-CEE3-8B1A1124DAEB}"/>
+                <a16:creationId xmlns:a16="http://schemas.microsoft.com/office/drawing/2014/main" id="{AF2CC170-EDAC-3F4C-A00C-1F658E1952A8}"/>
               </a:ext>
             </a:extLst>
           </p:cNvPr>
@@ -2373,7 +2373,7 @@
           <a:bodyPr/>
           <a:lstStyle/>
           <a:p>
-            <a:fld id="{DB6751BB-308D-4310-8BFD-58763458BDA9}" type="datetimeFigureOut">
+            <a:fld id="{3171ED8C-6779-499F-8E2C-941415C9E665}" type="datetimeFigureOut">
               <a:rPr lang="zh-CN" altLang="en-US" smtClean="0"/>
               <a:t>2024/3/10</a:t>
             </a:fld>
@@ -2386,7 +2386,7 @@
           <p:cNvPr id="6" name="页脚占位符 5">
             <a:extLst>
               <a:ext uri="{FF2B5EF4-FFF2-40B4-BE49-F238E27FC236}">
-                <a16:creationId xmlns:a16="http://schemas.microsoft.com/office/drawing/2014/main" id="{DCE339FC-D174-9BF7-AE50-9AB6DF77A5A1}"/>
+                <a16:creationId xmlns:a16="http://schemas.microsoft.com/office/drawing/2014/main" id="{88B6A4D1-5F95-A0F4-93DB-60E23179D71E}"/>
               </a:ext>
             </a:extLst>
           </p:cNvPr>
@@ -2411,7 +2411,7 @@
           <p:cNvPr id="7" name="灯片编号占位符 6">
             <a:extLst>
               <a:ext uri="{FF2B5EF4-FFF2-40B4-BE49-F238E27FC236}">
-                <a16:creationId xmlns:a16="http://schemas.microsoft.com/office/drawing/2014/main" id="{C5794B00-1F88-3508-A813-9E1CF35F2968}"/>
+                <a16:creationId xmlns:a16="http://schemas.microsoft.com/office/drawing/2014/main" id="{7D53AC7A-2795-0406-F140-F68922B1ACBE}"/>
               </a:ext>
             </a:extLst>
           </p:cNvPr>
@@ -2427,7 +2427,7 @@
           <a:bodyPr/>
           <a:lstStyle/>
           <a:p>
-            <a:fld id="{0F24C69A-836A-4939-9435-16087BB658F1}" type="slidenum">
+            <a:fld id="{84669B1A-AF3E-4D15-BCA9-755208B2EE52}" type="slidenum">
               <a:rPr lang="zh-CN" altLang="en-US" smtClean="0"/>
               <a:t>‹#›</a:t>
             </a:fld>
@@ -2438,7 +2438,7 @@
     </p:spTree>
     <p:extLst>
       <p:ext uri="{BB962C8B-B14F-4D97-AF65-F5344CB8AC3E}">
-        <p14:creationId xmlns:p14="http://schemas.microsoft.com/office/powerpoint/2010/main" val="24646230"/>
+        <p14:creationId xmlns:p14="http://schemas.microsoft.com/office/powerpoint/2010/main" val="762195771"/>
       </p:ext>
     </p:extLst>
   </p:cSld>
@@ -2470,7 +2470,7 @@
           <p:cNvPr id="2" name="标题 1">
             <a:extLst>
               <a:ext uri="{FF2B5EF4-FFF2-40B4-BE49-F238E27FC236}">
-                <a16:creationId xmlns:a16="http://schemas.microsoft.com/office/drawing/2014/main" id="{3771FD98-3028-BBFE-82DC-F1F54133849D}"/>
+                <a16:creationId xmlns:a16="http://schemas.microsoft.com/office/drawing/2014/main" id="{ABB26D19-4332-D513-2FA5-2F318169A900}"/>
               </a:ext>
             </a:extLst>
           </p:cNvPr>
@@ -2507,7 +2507,7 @@
           <p:cNvPr id="3" name="图片占位符 2">
             <a:extLst>
               <a:ext uri="{FF2B5EF4-FFF2-40B4-BE49-F238E27FC236}">
-                <a16:creationId xmlns:a16="http://schemas.microsoft.com/office/drawing/2014/main" id="{AC71D4B7-6260-920A-DBFD-A7E7708E077F}"/>
+                <a16:creationId xmlns:a16="http://schemas.microsoft.com/office/drawing/2014/main" id="{69B60A5F-9950-BED5-C9D9-0004B97E15FB}"/>
               </a:ext>
             </a:extLst>
           </p:cNvPr>
@@ -2574,7 +2574,7 @@
           <p:cNvPr id="4" name="文本占位符 3">
             <a:extLst>
               <a:ext uri="{FF2B5EF4-FFF2-40B4-BE49-F238E27FC236}">
-                <a16:creationId xmlns:a16="http://schemas.microsoft.com/office/drawing/2014/main" id="{2E08F373-704E-737B-2710-E30AE5846C78}"/>
+                <a16:creationId xmlns:a16="http://schemas.microsoft.com/office/drawing/2014/main" id="{F6F23A92-C3CF-30D5-82D2-DAF3D681616B}"/>
               </a:ext>
             </a:extLst>
           </p:cNvPr>
@@ -2645,7 +2645,7 @@
           <p:cNvPr id="5" name="日期占位符 4">
             <a:extLst>
               <a:ext uri="{FF2B5EF4-FFF2-40B4-BE49-F238E27FC236}">
-                <a16:creationId xmlns:a16="http://schemas.microsoft.com/office/drawing/2014/main" id="{A946F5D6-6ED8-937E-E82F-12EAECBF6B2C}"/>
+                <a16:creationId xmlns:a16="http://schemas.microsoft.com/office/drawing/2014/main" id="{8B514EC6-D6BB-69AB-C1A9-4B575B601AA2}"/>
               </a:ext>
             </a:extLst>
           </p:cNvPr>
@@ -2661,7 +2661,7 @@
           <a:bodyPr/>
           <a:lstStyle/>
           <a:p>
-            <a:fld id="{DB6751BB-308D-4310-8BFD-58763458BDA9}" type="datetimeFigureOut">
+            <a:fld id="{3171ED8C-6779-499F-8E2C-941415C9E665}" type="datetimeFigureOut">
               <a:rPr lang="zh-CN" altLang="en-US" smtClean="0"/>
               <a:t>2024/3/10</a:t>
             </a:fld>
@@ -2674,7 +2674,7 @@
           <p:cNvPr id="6" name="页脚占位符 5">
             <a:extLst>
               <a:ext uri="{FF2B5EF4-FFF2-40B4-BE49-F238E27FC236}">
-                <a16:creationId xmlns:a16="http://schemas.microsoft.com/office/drawing/2014/main" id="{8C2E67B1-0F36-805C-9A5D-8FC7D49A27A0}"/>
+                <a16:creationId xmlns:a16="http://schemas.microsoft.com/office/drawing/2014/main" id="{1A467778-776D-5077-1C83-A3EDC802A3C9}"/>
               </a:ext>
             </a:extLst>
           </p:cNvPr>
@@ -2699,7 +2699,7 @@
           <p:cNvPr id="7" name="灯片编号占位符 6">
             <a:extLst>
               <a:ext uri="{FF2B5EF4-FFF2-40B4-BE49-F238E27FC236}">
-                <a16:creationId xmlns:a16="http://schemas.microsoft.com/office/drawing/2014/main" id="{43741CF6-3B9C-C60E-21A4-649D351BB1BD}"/>
+                <a16:creationId xmlns:a16="http://schemas.microsoft.com/office/drawing/2014/main" id="{5D9377B4-6CB3-AEFC-3C14-9395255D36E8}"/>
               </a:ext>
             </a:extLst>
           </p:cNvPr>
@@ -2715,7 +2715,7 @@
           <a:bodyPr/>
           <a:lstStyle/>
           <a:p>
-            <a:fld id="{0F24C69A-836A-4939-9435-16087BB658F1}" type="slidenum">
+            <a:fld id="{84669B1A-AF3E-4D15-BCA9-755208B2EE52}" type="slidenum">
               <a:rPr lang="zh-CN" altLang="en-US" smtClean="0"/>
               <a:t>‹#›</a:t>
             </a:fld>
@@ -2726,7 +2726,7 @@
     </p:spTree>
     <p:extLst>
       <p:ext uri="{BB962C8B-B14F-4D97-AF65-F5344CB8AC3E}">
-        <p14:creationId xmlns:p14="http://schemas.microsoft.com/office/powerpoint/2010/main" val="2527473614"/>
+        <p14:creationId xmlns:p14="http://schemas.microsoft.com/office/powerpoint/2010/main" val="343643722"/>
       </p:ext>
     </p:extLst>
   </p:cSld>
@@ -2763,7 +2763,7 @@
           <p:cNvPr id="2" name="标题占位符 1">
             <a:extLst>
               <a:ext uri="{FF2B5EF4-FFF2-40B4-BE49-F238E27FC236}">
-                <a16:creationId xmlns:a16="http://schemas.microsoft.com/office/drawing/2014/main" id="{2A643909-E949-B178-D47A-B0BE758487D9}"/>
+                <a16:creationId xmlns:a16="http://schemas.microsoft.com/office/drawing/2014/main" id="{9D6A2F68-215A-3842-9CEA-D7B6CA008939}"/>
               </a:ext>
             </a:extLst>
           </p:cNvPr>
@@ -2801,7 +2801,7 @@
           <p:cNvPr id="3" name="文本占位符 2">
             <a:extLst>
               <a:ext uri="{FF2B5EF4-FFF2-40B4-BE49-F238E27FC236}">
-                <a16:creationId xmlns:a16="http://schemas.microsoft.com/office/drawing/2014/main" id="{AD1E8C86-DE28-ABFC-E66B-DBBA3936A008}"/>
+                <a16:creationId xmlns:a16="http://schemas.microsoft.com/office/drawing/2014/main" id="{AACEB505-8F81-77B4-19FB-2C13E5AD660D}"/>
               </a:ext>
             </a:extLst>
           </p:cNvPr>
@@ -2868,7 +2868,7 @@
           <p:cNvPr id="4" name="日期占位符 3">
             <a:extLst>
               <a:ext uri="{FF2B5EF4-FFF2-40B4-BE49-F238E27FC236}">
-                <a16:creationId xmlns:a16="http://schemas.microsoft.com/office/drawing/2014/main" id="{C1A8045F-38A5-DBB5-79D1-25523D3B95BF}"/>
+                <a16:creationId xmlns:a16="http://schemas.microsoft.com/office/drawing/2014/main" id="{EF9BE037-CA76-2EA5-03ED-699F80037441}"/>
               </a:ext>
             </a:extLst>
           </p:cNvPr>
@@ -2902,7 +2902,7 @@
             </a:lvl1pPr>
           </a:lstStyle>
           <a:p>
-            <a:fld id="{DB6751BB-308D-4310-8BFD-58763458BDA9}" type="datetimeFigureOut">
+            <a:fld id="{3171ED8C-6779-499F-8E2C-941415C9E665}" type="datetimeFigureOut">
               <a:rPr lang="zh-CN" altLang="en-US" smtClean="0"/>
               <a:t>2024/3/10</a:t>
             </a:fld>
@@ -2915,7 +2915,7 @@
           <p:cNvPr id="5" name="页脚占位符 4">
             <a:extLst>
               <a:ext uri="{FF2B5EF4-FFF2-40B4-BE49-F238E27FC236}">
-                <a16:creationId xmlns:a16="http://schemas.microsoft.com/office/drawing/2014/main" id="{F87E435C-9342-5A22-CBF6-6BBE1D24A8C1}"/>
+                <a16:creationId xmlns:a16="http://schemas.microsoft.com/office/drawing/2014/main" id="{31642E08-0955-6410-6A16-DA5625B6DE03}"/>
               </a:ext>
             </a:extLst>
           </p:cNvPr>
@@ -2958,7 +2958,7 @@
           <p:cNvPr id="6" name="灯片编号占位符 5">
             <a:extLst>
               <a:ext uri="{FF2B5EF4-FFF2-40B4-BE49-F238E27FC236}">
-                <a16:creationId xmlns:a16="http://schemas.microsoft.com/office/drawing/2014/main" id="{A8B169E5-43F2-0081-DDA1-D2773D14C885}"/>
+                <a16:creationId xmlns:a16="http://schemas.microsoft.com/office/drawing/2014/main" id="{D2F6BC1D-AF4D-20F0-C799-C75334FA095B}"/>
               </a:ext>
             </a:extLst>
           </p:cNvPr>
@@ -2992,7 +2992,7 @@
             </a:lvl1pPr>
           </a:lstStyle>
           <a:p>
-            <a:fld id="{0F24C69A-836A-4939-9435-16087BB658F1}" type="slidenum">
+            <a:fld id="{84669B1A-AF3E-4D15-BCA9-755208B2EE52}" type="slidenum">
               <a:rPr lang="zh-CN" altLang="en-US" smtClean="0"/>
               <a:t>‹#›</a:t>
             </a:fld>
@@ -3003,7 +3003,7 @@
     </p:spTree>
     <p:extLst>
       <p:ext uri="{BB962C8B-B14F-4D97-AF65-F5344CB8AC3E}">
-        <p14:creationId xmlns:p14="http://schemas.microsoft.com/office/powerpoint/2010/main" val="1056707284"/>
+        <p14:creationId xmlns:p14="http://schemas.microsoft.com/office/powerpoint/2010/main" val="3965507569"/>
       </p:ext>
     </p:extLst>
   </p:cSld>
@@ -3323,7 +3323,7 @@
       </p:grpSpPr>
       <p:pic>
         <p:nvPicPr>
-          <p:cNvPr id="1068034" name="Picture 2" descr="1042"/>
+          <p:cNvPr id="1069058" name="Picture 2" descr="1043"/>
           <p:cNvPicPr>
             <a:picLocks noChangeAspect="1" noChangeArrowheads="1"/>
           </p:cNvPicPr>
@@ -3344,8 +3344,8 @@
         </p:blipFill>
         <p:spPr bwMode="auto">
           <a:xfrm>
-            <a:off x="1524000" y="0"/>
-            <a:ext cx="9144000" cy="6858000"/>
+            <a:off x="1524001" y="0"/>
+            <a:ext cx="9053513" cy="5734050"/>
           </a:xfrm>
           <a:prstGeom prst="rect">
             <a:avLst/>
@@ -3373,6 +3373,30 @@
               </a14:hiddenLine>
             </a:ext>
           </a:extLst>
+        </p:spPr>
+      </p:pic>
+      <p:pic>
+        <p:nvPicPr>
+          <p:cNvPr id="2" name="图片 1"/>
+          <p:cNvPicPr>
+            <a:picLocks noChangeAspect="1"/>
+          </p:cNvPicPr>
+          <p:nvPr/>
+        </p:nvPicPr>
+        <p:blipFill>
+          <a:blip r:embed="rId3"/>
+          <a:stretch>
+            <a:fillRect/>
+          </a:stretch>
+        </p:blipFill>
+        <p:spPr>
+          <a:xfrm>
+            <a:off x="8616280" y="4725145"/>
+            <a:ext cx="438150" cy="485775"/>
+          </a:xfrm>
+          <a:prstGeom prst="rect">
+            <a:avLst/>
+          </a:prstGeom>
         </p:spPr>
       </p:pic>
     </p:spTree>
